--- a/pt2/Module_2.pptx
+++ b/pt2/Module_2.pptx
@@ -2018,7 +2018,7 @@
           </a:ln>
           <a:extLst>
             <a:ext uri="{C572A759-6A51-4108-AA02-DFA0A04FC94B}">
-              <ma14:wrappingTextBoxFlag xmlns="" xmlns:ma14="http://schemas.microsoft.com/office/mac/drawingml/2011/main" val="1"/>
+              <ma14:wrappingTextBoxFlag xmlns:ma14="http://schemas.microsoft.com/office/mac/drawingml/2011/main" xmlns="" val="1"/>
             </a:ext>
           </a:extLst>
         </p:spPr>
@@ -2057,7 +2057,7 @@
           </a:ln>
           <a:extLst>
             <a:ext uri="{C572A759-6A51-4108-AA02-DFA0A04FC94B}">
-              <ma14:wrappingTextBoxFlag xmlns="" xmlns:ma14="http://schemas.microsoft.com/office/mac/drawingml/2011/main" val="1"/>
+              <ma14:wrappingTextBoxFlag xmlns:ma14="http://schemas.microsoft.com/office/mac/drawingml/2011/main" xmlns="" val="1"/>
             </a:ext>
           </a:extLst>
         </p:spPr>
@@ -3117,7 +3117,7 @@
           </a:ln>
           <a:extLst>
             <a:ext uri="{C572A759-6A51-4108-AA02-DFA0A04FC94B}">
-              <ma14:wrappingTextBoxFlag xmlns="" xmlns:ma14="http://schemas.microsoft.com/office/mac/drawingml/2011/main" val="1"/>
+              <ma14:wrappingTextBoxFlag xmlns:ma14="http://schemas.microsoft.com/office/mac/drawingml/2011/main" xmlns="" val="1"/>
             </a:ext>
           </a:extLst>
         </p:spPr>
@@ -3164,7 +3164,7 @@
           </a:ln>
           <a:extLst>
             <a:ext uri="{C572A759-6A51-4108-AA02-DFA0A04FC94B}">
-              <ma14:wrappingTextBoxFlag xmlns="" xmlns:ma14="http://schemas.microsoft.com/office/mac/drawingml/2011/main" val="1"/>
+              <ma14:wrappingTextBoxFlag xmlns:ma14="http://schemas.microsoft.com/office/mac/drawingml/2011/main" xmlns="" val="1"/>
             </a:ext>
           </a:extLst>
         </p:spPr>
@@ -3238,7 +3238,7 @@
           </a:ln>
           <a:extLst>
             <a:ext uri="{C572A759-6A51-4108-AA02-DFA0A04FC94B}">
-              <ma14:wrappingTextBoxFlag xmlns="" xmlns:ma14="http://schemas.microsoft.com/office/mac/drawingml/2011/main" val="1"/>
+              <ma14:wrappingTextBoxFlag xmlns:ma14="http://schemas.microsoft.com/office/mac/drawingml/2011/main" xmlns="" val="1"/>
             </a:ext>
           </a:extLst>
         </p:spPr>
@@ -3387,7 +3387,7 @@
           </a:ln>
           <a:extLst>
             <a:ext uri="{C572A759-6A51-4108-AA02-DFA0A04FC94B}">
-              <ma14:wrappingTextBoxFlag xmlns="" xmlns:ma14="http://schemas.microsoft.com/office/mac/drawingml/2011/main" val="1"/>
+              <ma14:wrappingTextBoxFlag xmlns:ma14="http://schemas.microsoft.com/office/mac/drawingml/2011/main" xmlns="" val="1"/>
             </a:ext>
           </a:extLst>
         </p:spPr>
@@ -3498,7 +3498,7 @@
           </a:ln>
           <a:extLst>
             <a:ext uri="{C572A759-6A51-4108-AA02-DFA0A04FC94B}">
-              <ma14:wrappingTextBoxFlag xmlns="" xmlns:ma14="http://schemas.microsoft.com/office/mac/drawingml/2011/main" val="1"/>
+              <ma14:wrappingTextBoxFlag xmlns:ma14="http://schemas.microsoft.com/office/mac/drawingml/2011/main" xmlns="" val="1"/>
             </a:ext>
           </a:extLst>
         </p:spPr>
@@ -3541,7 +3541,7 @@
           </a:ln>
           <a:extLst>
             <a:ext uri="{C572A759-6A51-4108-AA02-DFA0A04FC94B}">
-              <ma14:wrappingTextBoxFlag xmlns="" xmlns:ma14="http://schemas.microsoft.com/office/mac/drawingml/2011/main" val="1"/>
+              <ma14:wrappingTextBoxFlag xmlns:ma14="http://schemas.microsoft.com/office/mac/drawingml/2011/main" xmlns="" val="1"/>
             </a:ext>
           </a:extLst>
         </p:spPr>
@@ -3722,7 +3722,7 @@
           </a:ln>
           <a:extLst>
             <a:ext uri="{C572A759-6A51-4108-AA02-DFA0A04FC94B}">
-              <ma14:wrappingTextBoxFlag xmlns="" xmlns:ma14="http://schemas.microsoft.com/office/mac/drawingml/2011/main" val="1"/>
+              <ma14:wrappingTextBoxFlag xmlns:ma14="http://schemas.microsoft.com/office/mac/drawingml/2011/main" xmlns="" val="1"/>
             </a:ext>
           </a:extLst>
         </p:spPr>
@@ -3765,7 +3765,7 @@
           </a:ln>
           <a:extLst>
             <a:ext uri="{C572A759-6A51-4108-AA02-DFA0A04FC94B}">
-              <ma14:wrappingTextBoxFlag xmlns="" xmlns:ma14="http://schemas.microsoft.com/office/mac/drawingml/2011/main" val="1"/>
+              <ma14:wrappingTextBoxFlag xmlns:ma14="http://schemas.microsoft.com/office/mac/drawingml/2011/main" xmlns="" val="1"/>
             </a:ext>
           </a:extLst>
         </p:spPr>
@@ -3813,7 +3813,7 @@
           </a:ln>
           <a:extLst>
             <a:ext uri="{C572A759-6A51-4108-AA02-DFA0A04FC94B}">
-              <ma14:wrappingTextBoxFlag xmlns="" xmlns:ma14="http://schemas.microsoft.com/office/mac/drawingml/2011/main" val="1"/>
+              <ma14:wrappingTextBoxFlag xmlns:ma14="http://schemas.microsoft.com/office/mac/drawingml/2011/main" xmlns="" val="1"/>
             </a:ext>
           </a:extLst>
         </p:spPr>
@@ -3955,7 +3955,7 @@
           </a:ln>
           <a:extLst>
             <a:ext uri="{C572A759-6A51-4108-AA02-DFA0A04FC94B}">
-              <ma14:wrappingTextBoxFlag xmlns="" xmlns:ma14="http://schemas.microsoft.com/office/mac/drawingml/2011/main" val="1"/>
+              <ma14:wrappingTextBoxFlag xmlns:ma14="http://schemas.microsoft.com/office/mac/drawingml/2011/main" xmlns="" val="1"/>
             </a:ext>
           </a:extLst>
         </p:spPr>
@@ -4004,7 +4004,7 @@
           </a:ln>
           <a:extLst>
             <a:ext uri="{C572A759-6A51-4108-AA02-DFA0A04FC94B}">
-              <ma14:wrappingTextBoxFlag xmlns="" xmlns:ma14="http://schemas.microsoft.com/office/mac/drawingml/2011/main" val="1"/>
+              <ma14:wrappingTextBoxFlag xmlns:ma14="http://schemas.microsoft.com/office/mac/drawingml/2011/main" xmlns="" val="1"/>
             </a:ext>
           </a:extLst>
         </p:spPr>
@@ -4175,7 +4175,7 @@
           </a:ln>
           <a:extLst>
             <a:ext uri="{C572A759-6A51-4108-AA02-DFA0A04FC94B}">
-              <ma14:wrappingTextBoxFlag xmlns="" xmlns:ma14="http://schemas.microsoft.com/office/mac/drawingml/2011/main" val="1"/>
+              <ma14:wrappingTextBoxFlag xmlns:ma14="http://schemas.microsoft.com/office/mac/drawingml/2011/main" xmlns="" val="1"/>
             </a:ext>
           </a:extLst>
         </p:spPr>
@@ -4224,7 +4224,7 @@
           </a:ln>
           <a:extLst>
             <a:ext uri="{C572A759-6A51-4108-AA02-DFA0A04FC94B}">
-              <ma14:wrappingTextBoxFlag xmlns="" xmlns:ma14="http://schemas.microsoft.com/office/mac/drawingml/2011/main" val="1"/>
+              <ma14:wrappingTextBoxFlag xmlns:ma14="http://schemas.microsoft.com/office/mac/drawingml/2011/main" xmlns="" val="1"/>
             </a:ext>
           </a:extLst>
         </p:spPr>
@@ -4385,7 +4385,7 @@
           </a:ln>
           <a:extLst>
             <a:ext uri="{C572A759-6A51-4108-AA02-DFA0A04FC94B}">
-              <ma14:wrappingTextBoxFlag xmlns="" xmlns:ma14="http://schemas.microsoft.com/office/mac/drawingml/2011/main" val="1"/>
+              <ma14:wrappingTextBoxFlag xmlns:ma14="http://schemas.microsoft.com/office/mac/drawingml/2011/main" xmlns="" val="1"/>
             </a:ext>
           </a:extLst>
         </p:spPr>
@@ -4424,7 +4424,7 @@
         <p:spPr>
           <a:xfrm>
             <a:off x="205025" y="1274198"/>
-            <a:ext cx="3359143" cy="964271"/>
+            <a:ext cx="3359143" cy="1229728"/>
           </a:xfrm>
           <a:prstGeom prst="rect">
             <a:avLst/>
@@ -4434,7 +4434,7 @@
           </a:ln>
           <a:extLst>
             <a:ext uri="{C572A759-6A51-4108-AA02-DFA0A04FC94B}">
-              <ma14:wrappingTextBoxFlag xmlns="" xmlns:ma14="http://schemas.microsoft.com/office/mac/drawingml/2011/main" val="1"/>
+              <ma14:wrappingTextBoxFlag xmlns:ma14="http://schemas.microsoft.com/office/mac/drawingml/2011/main" xmlns="" val="1"/>
             </a:ext>
           </a:extLst>
         </p:spPr>
@@ -4465,9 +4465,6 @@
             </a:r>
           </a:p>
           <a:p>
-            <a:pPr marL="342900" indent="-342900">
-              <a:buAutoNum type="arabicPeriod"/>
-            </a:pPr>
             <a:r>
               <a:rPr lang="en-US" dirty="0"/>
               <a:t> </a:t>
@@ -4599,7 +4596,7 @@
           </a:ln>
           <a:extLst>
             <a:ext uri="{C572A759-6A51-4108-AA02-DFA0A04FC94B}">
-              <ma14:wrappingTextBoxFlag xmlns="" xmlns:ma14="http://schemas.microsoft.com/office/mac/drawingml/2011/main" val="1"/>
+              <ma14:wrappingTextBoxFlag xmlns:ma14="http://schemas.microsoft.com/office/mac/drawingml/2011/main" xmlns="" val="1"/>
             </a:ext>
           </a:extLst>
         </p:spPr>
@@ -4648,7 +4645,7 @@
           </a:ln>
           <a:extLst>
             <a:ext uri="{C572A759-6A51-4108-AA02-DFA0A04FC94B}">
-              <ma14:wrappingTextBoxFlag xmlns="" xmlns:ma14="http://schemas.microsoft.com/office/mac/drawingml/2011/main" val="1"/>
+              <ma14:wrappingTextBoxFlag xmlns:ma14="http://schemas.microsoft.com/office/mac/drawingml/2011/main" xmlns="" val="1"/>
             </a:ext>
           </a:extLst>
         </p:spPr>
@@ -4803,7 +4800,7 @@
           </a:ln>
           <a:extLst>
             <a:ext uri="{C572A759-6A51-4108-AA02-DFA0A04FC94B}">
-              <ma14:wrappingTextBoxFlag xmlns="" xmlns:ma14="http://schemas.microsoft.com/office/mac/drawingml/2011/main" val="1"/>
+              <ma14:wrappingTextBoxFlag xmlns:ma14="http://schemas.microsoft.com/office/mac/drawingml/2011/main" xmlns="" val="1"/>
             </a:ext>
           </a:extLst>
         </p:spPr>
@@ -4846,7 +4843,7 @@
           </a:ln>
           <a:extLst>
             <a:ext uri="{C572A759-6A51-4108-AA02-DFA0A04FC94B}">
-              <ma14:wrappingTextBoxFlag xmlns="" xmlns:ma14="http://schemas.microsoft.com/office/mac/drawingml/2011/main" val="1"/>
+              <ma14:wrappingTextBoxFlag xmlns:ma14="http://schemas.microsoft.com/office/mac/drawingml/2011/main" xmlns="" val="1"/>
             </a:ext>
           </a:extLst>
         </p:spPr>
@@ -4897,7 +4894,7 @@
           </a:ln>
           <a:extLst>
             <a:ext uri="{C572A759-6A51-4108-AA02-DFA0A04FC94B}">
-              <ma14:wrappingTextBoxFlag xmlns="" xmlns:ma14="http://schemas.microsoft.com/office/mac/drawingml/2011/main" val="1"/>
+              <ma14:wrappingTextBoxFlag xmlns:ma14="http://schemas.microsoft.com/office/mac/drawingml/2011/main" xmlns="" val="1"/>
             </a:ext>
           </a:extLst>
         </p:spPr>
@@ -5039,7 +5036,7 @@
           </a:ln>
           <a:extLst>
             <a:ext uri="{C572A759-6A51-4108-AA02-DFA0A04FC94B}">
-              <ma14:wrappingTextBoxFlag xmlns="" xmlns:ma14="http://schemas.microsoft.com/office/mac/drawingml/2011/main" val="1"/>
+              <ma14:wrappingTextBoxFlag xmlns:ma14="http://schemas.microsoft.com/office/mac/drawingml/2011/main" xmlns="" val="1"/>
             </a:ext>
           </a:extLst>
         </p:spPr>
@@ -5082,7 +5079,7 @@
           </a:ln>
           <a:extLst>
             <a:ext uri="{C572A759-6A51-4108-AA02-DFA0A04FC94B}">
-              <ma14:wrappingTextBoxFlag xmlns="" xmlns:ma14="http://schemas.microsoft.com/office/mac/drawingml/2011/main" val="1"/>
+              <ma14:wrappingTextBoxFlag xmlns:ma14="http://schemas.microsoft.com/office/mac/drawingml/2011/main" xmlns="" val="1"/>
             </a:ext>
           </a:extLst>
         </p:spPr>
@@ -5130,7 +5127,7 @@
           </a:ln>
           <a:extLst>
             <a:ext uri="{C572A759-6A51-4108-AA02-DFA0A04FC94B}">
-              <ma14:wrappingTextBoxFlag xmlns="" xmlns:ma14="http://schemas.microsoft.com/office/mac/drawingml/2011/main" val="1"/>
+              <ma14:wrappingTextBoxFlag xmlns:ma14="http://schemas.microsoft.com/office/mac/drawingml/2011/main" xmlns="" val="1"/>
             </a:ext>
           </a:extLst>
         </p:spPr>
@@ -5283,7 +5280,7 @@
             <a:effectLst/>
             <a:extLst>
               <a:ext uri="{C572A759-6A51-4108-AA02-DFA0A04FC94B}">
-                <ma14:wrappingTextBoxFlag xmlns="" xmlns:ma14="http://schemas.microsoft.com/office/mac/drawingml/2011/main" val="1"/>
+                <ma14:wrappingTextBoxFlag xmlns:ma14="http://schemas.microsoft.com/office/mac/drawingml/2011/main" xmlns="" val="1"/>
               </a:ext>
             </a:extLst>
           </p:spPr>
